--- a/Trainings/Template.pptx
+++ b/Trainings/Template.pptx
@@ -862,7 +862,7 @@
         </p:nvSpPr>
         <p:spPr>
           <a:xfrm>
-            <a:off x="10201275" y="4146550"/>
+            <a:off x="10203815" y="4146550"/>
             <a:ext cx="1371600" cy="365760"/>
           </a:xfrm>
           <a:prstGeom prst="roundRect">
@@ -907,7 +907,7 @@
         </p:nvSpPr>
         <p:spPr>
           <a:xfrm>
-            <a:off x="10196195" y="4652010"/>
+            <a:off x="10201275" y="4652010"/>
             <a:ext cx="1376680" cy="360680"/>
           </a:xfrm>
           <a:prstGeom prst="roundRect">
@@ -959,7 +959,7 @@
             <a:avLst/>
           </a:prstGeom>
           <a:solidFill>
-            <a:srgbClr val="ED3761"/>
+            <a:srgbClr val="FD0062"/>
           </a:solidFill>
           <a:ln>
             <a:noFill/>
